--- a/algorithm-overview.pptx
+++ b/algorithm-overview.pptx
@@ -5,12 +5,14 @@
     <p:sldMasterId id="2147483648" r:id="rId1"/>
   </p:sldMasterIdLst>
   <p:notesMasterIdLst>
-    <p:notesMasterId r:id="rId5"/>
+    <p:notesMasterId r:id="rId7"/>
   </p:notesMasterIdLst>
   <p:sldIdLst>
     <p:sldId id="257" r:id="rId2"/>
     <p:sldId id="258" r:id="rId3"/>
     <p:sldId id="259" r:id="rId4"/>
+    <p:sldId id="260" r:id="rId5"/>
+    <p:sldId id="261" r:id="rId6"/>
   </p:sldIdLst>
   <p:sldSz cx="12192000" cy="6858000"/>
   <p:notesSz cx="6858000" cy="9144000"/>
@@ -199,7 +201,7 @@
           <a:p>
             <a:fld id="{0A5C4E9B-A2E8-8344-AE74-7CE188988CE6}" type="datetimeFigureOut">
               <a:rPr lang="de-DE" smtClean="0"/>
-              <a:t>17.08.20</a:t>
+              <a:t>24.08.20</a:t>
             </a:fld>
             <a:endParaRPr lang="de-DE"/>
           </a:p>
@@ -718,6 +720,174 @@
 </p:notes>
 </file>
 
+<file path=ppt/notesSlides/notesSlide4.xml><?xml version="1.0" encoding="utf-8"?>
+<p:notes xmlns:a="http://schemas.openxmlformats.org/drawingml/2006/main" xmlns:r="http://schemas.openxmlformats.org/officeDocument/2006/relationships" xmlns:p="http://schemas.openxmlformats.org/presentationml/2006/main">
+  <p:cSld>
+    <p:spTree>
+      <p:nvGrpSpPr>
+        <p:cNvPr id="1" name=""/>
+        <p:cNvGrpSpPr/>
+        <p:nvPr/>
+      </p:nvGrpSpPr>
+      <p:grpSpPr>
+        <a:xfrm>
+          <a:off x="0" y="0"/>
+          <a:ext cx="0" cy="0"/>
+          <a:chOff x="0" y="0"/>
+          <a:chExt cx="0" cy="0"/>
+        </a:xfrm>
+      </p:grpSpPr>
+      <p:sp>
+        <p:nvSpPr>
+          <p:cNvPr id="2" name="Folienbildplatzhalter 1"/>
+          <p:cNvSpPr>
+            <a:spLocks noGrp="1" noRot="1" noChangeAspect="1"/>
+          </p:cNvSpPr>
+          <p:nvPr>
+            <p:ph type="sldImg"/>
+          </p:nvPr>
+        </p:nvSpPr>
+        <p:spPr/>
+      </p:sp>
+      <p:sp>
+        <p:nvSpPr>
+          <p:cNvPr id="3" name="Notizenplatzhalter 2"/>
+          <p:cNvSpPr>
+            <a:spLocks noGrp="1"/>
+          </p:cNvSpPr>
+          <p:nvPr>
+            <p:ph type="body" idx="1"/>
+          </p:nvPr>
+        </p:nvSpPr>
+        <p:spPr/>
+        <p:txBody>
+          <a:bodyPr/>
+          <a:lstStyle/>
+          <a:p>
+            <a:endParaRPr lang="de-DE" dirty="0"/>
+          </a:p>
+        </p:txBody>
+      </p:sp>
+      <p:sp>
+        <p:nvSpPr>
+          <p:cNvPr id="4" name="Foliennummernplatzhalter 3"/>
+          <p:cNvSpPr>
+            <a:spLocks noGrp="1"/>
+          </p:cNvSpPr>
+          <p:nvPr>
+            <p:ph type="sldNum" sz="quarter" idx="5"/>
+          </p:nvPr>
+        </p:nvSpPr>
+        <p:spPr/>
+        <p:txBody>
+          <a:bodyPr/>
+          <a:lstStyle/>
+          <a:p>
+            <a:fld id="{CAB9D258-BC6B-A444-B23D-5B703D76FFC4}" type="slidenum">
+              <a:rPr lang="de-DE" smtClean="0"/>
+              <a:t>4</a:t>
+            </a:fld>
+            <a:endParaRPr lang="de-DE"/>
+          </a:p>
+        </p:txBody>
+      </p:sp>
+    </p:spTree>
+    <p:extLst>
+      <p:ext uri="{BB962C8B-B14F-4D97-AF65-F5344CB8AC3E}">
+        <p14:creationId xmlns:p14="http://schemas.microsoft.com/office/powerpoint/2010/main" val="2910822818"/>
+      </p:ext>
+    </p:extLst>
+  </p:cSld>
+  <p:clrMapOvr>
+    <a:masterClrMapping/>
+  </p:clrMapOvr>
+</p:notes>
+</file>
+
+<file path=ppt/notesSlides/notesSlide5.xml><?xml version="1.0" encoding="utf-8"?>
+<p:notes xmlns:a="http://schemas.openxmlformats.org/drawingml/2006/main" xmlns:r="http://schemas.openxmlformats.org/officeDocument/2006/relationships" xmlns:p="http://schemas.openxmlformats.org/presentationml/2006/main">
+  <p:cSld>
+    <p:spTree>
+      <p:nvGrpSpPr>
+        <p:cNvPr id="1" name=""/>
+        <p:cNvGrpSpPr/>
+        <p:nvPr/>
+      </p:nvGrpSpPr>
+      <p:grpSpPr>
+        <a:xfrm>
+          <a:off x="0" y="0"/>
+          <a:ext cx="0" cy="0"/>
+          <a:chOff x="0" y="0"/>
+          <a:chExt cx="0" cy="0"/>
+        </a:xfrm>
+      </p:grpSpPr>
+      <p:sp>
+        <p:nvSpPr>
+          <p:cNvPr id="2" name="Folienbildplatzhalter 1"/>
+          <p:cNvSpPr>
+            <a:spLocks noGrp="1" noRot="1" noChangeAspect="1"/>
+          </p:cNvSpPr>
+          <p:nvPr>
+            <p:ph type="sldImg"/>
+          </p:nvPr>
+        </p:nvSpPr>
+        <p:spPr/>
+      </p:sp>
+      <p:sp>
+        <p:nvSpPr>
+          <p:cNvPr id="3" name="Notizenplatzhalter 2"/>
+          <p:cNvSpPr>
+            <a:spLocks noGrp="1"/>
+          </p:cNvSpPr>
+          <p:nvPr>
+            <p:ph type="body" idx="1"/>
+          </p:nvPr>
+        </p:nvSpPr>
+        <p:spPr/>
+        <p:txBody>
+          <a:bodyPr/>
+          <a:lstStyle/>
+          <a:p>
+            <a:endParaRPr lang="de-DE" dirty="0"/>
+          </a:p>
+        </p:txBody>
+      </p:sp>
+      <p:sp>
+        <p:nvSpPr>
+          <p:cNvPr id="4" name="Foliennummernplatzhalter 3"/>
+          <p:cNvSpPr>
+            <a:spLocks noGrp="1"/>
+          </p:cNvSpPr>
+          <p:nvPr>
+            <p:ph type="sldNum" sz="quarter" idx="5"/>
+          </p:nvPr>
+        </p:nvSpPr>
+        <p:spPr/>
+        <p:txBody>
+          <a:bodyPr/>
+          <a:lstStyle/>
+          <a:p>
+            <a:fld id="{CAB9D258-BC6B-A444-B23D-5B703D76FFC4}" type="slidenum">
+              <a:rPr lang="de-DE" smtClean="0"/>
+              <a:t>5</a:t>
+            </a:fld>
+            <a:endParaRPr lang="de-DE"/>
+          </a:p>
+        </p:txBody>
+      </p:sp>
+    </p:spTree>
+    <p:extLst>
+      <p:ext uri="{BB962C8B-B14F-4D97-AF65-F5344CB8AC3E}">
+        <p14:creationId xmlns:p14="http://schemas.microsoft.com/office/powerpoint/2010/main" val="4161650367"/>
+      </p:ext>
+    </p:extLst>
+  </p:cSld>
+  <p:clrMapOvr>
+    <a:masterClrMapping/>
+  </p:clrMapOvr>
+</p:notes>
+</file>
+
 <file path=ppt/slideLayouts/slideLayout1.xml><?xml version="1.0" encoding="utf-8"?>
 <p:sldLayout xmlns:a="http://schemas.openxmlformats.org/drawingml/2006/main" xmlns:r="http://schemas.openxmlformats.org/officeDocument/2006/relationships" xmlns:p="http://schemas.openxmlformats.org/presentationml/2006/main" type="title" preserve="1">
   <p:cSld name="Titelfolie">
@@ -865,7 +1035,7 @@
           <a:p>
             <a:fld id="{1B16ECC0-06E3-E94A-9C60-AF2A55157531}" type="datetimeFigureOut">
               <a:rPr lang="de-DE" smtClean="0"/>
-              <a:t>17.08.20</a:t>
+              <a:t>24.08.20</a:t>
             </a:fld>
             <a:endParaRPr lang="de-DE"/>
           </a:p>
@@ -1063,7 +1233,7 @@
           <a:p>
             <a:fld id="{1B16ECC0-06E3-E94A-9C60-AF2A55157531}" type="datetimeFigureOut">
               <a:rPr lang="de-DE" smtClean="0"/>
-              <a:t>17.08.20</a:t>
+              <a:t>24.08.20</a:t>
             </a:fld>
             <a:endParaRPr lang="de-DE"/>
           </a:p>
@@ -1271,7 +1441,7 @@
           <a:p>
             <a:fld id="{1B16ECC0-06E3-E94A-9C60-AF2A55157531}" type="datetimeFigureOut">
               <a:rPr lang="de-DE" smtClean="0"/>
-              <a:t>17.08.20</a:t>
+              <a:t>24.08.20</a:t>
             </a:fld>
             <a:endParaRPr lang="de-DE"/>
           </a:p>
@@ -1469,7 +1639,7 @@
           <a:p>
             <a:fld id="{1B16ECC0-06E3-E94A-9C60-AF2A55157531}" type="datetimeFigureOut">
               <a:rPr lang="de-DE" smtClean="0"/>
-              <a:t>17.08.20</a:t>
+              <a:t>24.08.20</a:t>
             </a:fld>
             <a:endParaRPr lang="de-DE"/>
           </a:p>
@@ -1744,7 +1914,7 @@
           <a:p>
             <a:fld id="{1B16ECC0-06E3-E94A-9C60-AF2A55157531}" type="datetimeFigureOut">
               <a:rPr lang="de-DE" smtClean="0"/>
-              <a:t>17.08.20</a:t>
+              <a:t>24.08.20</a:t>
             </a:fld>
             <a:endParaRPr lang="de-DE"/>
           </a:p>
@@ -2009,7 +2179,7 @@
           <a:p>
             <a:fld id="{1B16ECC0-06E3-E94A-9C60-AF2A55157531}" type="datetimeFigureOut">
               <a:rPr lang="de-DE" smtClean="0"/>
-              <a:t>17.08.20</a:t>
+              <a:t>24.08.20</a:t>
             </a:fld>
             <a:endParaRPr lang="de-DE"/>
           </a:p>
@@ -2421,7 +2591,7 @@
           <a:p>
             <a:fld id="{1B16ECC0-06E3-E94A-9C60-AF2A55157531}" type="datetimeFigureOut">
               <a:rPr lang="de-DE" smtClean="0"/>
-              <a:t>17.08.20</a:t>
+              <a:t>24.08.20</a:t>
             </a:fld>
             <a:endParaRPr lang="de-DE"/>
           </a:p>
@@ -2562,7 +2732,7 @@
           <a:p>
             <a:fld id="{1B16ECC0-06E3-E94A-9C60-AF2A55157531}" type="datetimeFigureOut">
               <a:rPr lang="de-DE" smtClean="0"/>
-              <a:t>17.08.20</a:t>
+              <a:t>24.08.20</a:t>
             </a:fld>
             <a:endParaRPr lang="de-DE"/>
           </a:p>
@@ -2675,7 +2845,7 @@
           <a:p>
             <a:fld id="{1B16ECC0-06E3-E94A-9C60-AF2A55157531}" type="datetimeFigureOut">
               <a:rPr lang="de-DE" smtClean="0"/>
-              <a:t>17.08.20</a:t>
+              <a:t>24.08.20</a:t>
             </a:fld>
             <a:endParaRPr lang="de-DE"/>
           </a:p>
@@ -2986,7 +3156,7 @@
           <a:p>
             <a:fld id="{1B16ECC0-06E3-E94A-9C60-AF2A55157531}" type="datetimeFigureOut">
               <a:rPr lang="de-DE" smtClean="0"/>
-              <a:t>17.08.20</a:t>
+              <a:t>24.08.20</a:t>
             </a:fld>
             <a:endParaRPr lang="de-DE"/>
           </a:p>
@@ -3274,7 +3444,7 @@
           <a:p>
             <a:fld id="{1B16ECC0-06E3-E94A-9C60-AF2A55157531}" type="datetimeFigureOut">
               <a:rPr lang="de-DE" smtClean="0"/>
-              <a:t>17.08.20</a:t>
+              <a:t>24.08.20</a:t>
             </a:fld>
             <a:endParaRPr lang="de-DE"/>
           </a:p>
@@ -3515,7 +3685,7 @@
           <a:p>
             <a:fld id="{1B16ECC0-06E3-E94A-9C60-AF2A55157531}" type="datetimeFigureOut">
               <a:rPr lang="de-DE" smtClean="0"/>
-              <a:t>17.08.20</a:t>
+              <a:t>24.08.20</a:t>
             </a:fld>
             <a:endParaRPr lang="de-DE"/>
           </a:p>
@@ -11180,6 +11350,567 @@
 </p:sld>
 </file>
 
+<file path=ppt/slides/slide4.xml><?xml version="1.0" encoding="utf-8"?>
+<p:sld xmlns:a="http://schemas.openxmlformats.org/drawingml/2006/main" xmlns:r="http://schemas.openxmlformats.org/officeDocument/2006/relationships" xmlns:p="http://schemas.openxmlformats.org/presentationml/2006/main">
+  <p:cSld>
+    <p:spTree>
+      <p:nvGrpSpPr>
+        <p:cNvPr id="1" name=""/>
+        <p:cNvGrpSpPr/>
+        <p:nvPr/>
+      </p:nvGrpSpPr>
+      <p:grpSpPr>
+        <a:xfrm>
+          <a:off x="0" y="0"/>
+          <a:ext cx="0" cy="0"/>
+          <a:chOff x="0" y="0"/>
+          <a:chExt cx="0" cy="0"/>
+        </a:xfrm>
+      </p:grpSpPr>
+      <p:sp>
+        <p:nvSpPr>
+          <p:cNvPr id="2" name="Textfeld 1">
+            <a:extLst>
+              <a:ext uri="{FF2B5EF4-FFF2-40B4-BE49-F238E27FC236}">
+                <a16:creationId xmlns:a16="http://schemas.microsoft.com/office/drawing/2014/main" id="{D671ECD4-8C1C-7349-B2AA-79394915986B}"/>
+              </a:ext>
+            </a:extLst>
+          </p:cNvPr>
+          <p:cNvSpPr txBox="1"/>
+          <p:nvPr/>
+        </p:nvSpPr>
+        <p:spPr>
+          <a:xfrm>
+            <a:off x="469900" y="381000"/>
+            <a:ext cx="11353800" cy="5262979"/>
+          </a:xfrm>
+          <a:prstGeom prst="rect">
+            <a:avLst/>
+          </a:prstGeom>
+          <a:noFill/>
+        </p:spPr>
+        <p:txBody>
+          <a:bodyPr wrap="square" rtlCol="0">
+            <a:spAutoFit/>
+          </a:bodyPr>
+          <a:lstStyle/>
+          <a:p>
+            <a:r>
+              <a:rPr lang="en-GB" dirty="0"/>
+              <a:t>Sources / Literature</a:t>
+            </a:r>
+          </a:p>
+          <a:p>
+            <a:endParaRPr lang="en-GB" dirty="0"/>
+          </a:p>
+          <a:p>
+            <a:r>
+              <a:rPr lang="en-GB" sz="1200" b="1" dirty="0"/>
+              <a:t>CMA-ES</a:t>
+            </a:r>
+          </a:p>
+          <a:p>
+            <a:pPr fontAlgn="ctr"/>
+            <a:r>
+              <a:rPr lang="en-GB" sz="1200" dirty="0"/>
+              <a:t>Tutorial slides (gecco2013-CMA-ES-tutorial)</a:t>
+            </a:r>
+          </a:p>
+          <a:p>
+            <a:pPr fontAlgn="ctr"/>
+            <a:r>
+              <a:rPr lang="en-GB" sz="1200" i="1" dirty="0"/>
+              <a:t>Adapting Arbitrary Normal Mutation Distributions in Evolution Strategies: The Covariance Matrix Adaption</a:t>
+            </a:r>
+            <a:r>
+              <a:rPr lang="en-GB" sz="1200" dirty="0"/>
+              <a:t>, Hansen &amp; Ostermeier (1996)</a:t>
+            </a:r>
+          </a:p>
+          <a:p>
+            <a:pPr fontAlgn="ctr"/>
+            <a:r>
+              <a:rPr lang="en-GB" sz="1200" i="1" dirty="0"/>
+              <a:t>Completely Derandomized Self-Adaptation in Evolution Strategies</a:t>
+            </a:r>
+            <a:r>
+              <a:rPr lang="en-GB" sz="1200" dirty="0"/>
+              <a:t>, Hansen &amp; Ostermeier (2001)</a:t>
+            </a:r>
+          </a:p>
+          <a:p>
+            <a:pPr fontAlgn="ctr"/>
+            <a:r>
+              <a:rPr lang="en-GB" sz="1200" i="1" dirty="0"/>
+              <a:t>Reducing the Time Complexity of the Derandomized Evolution Strategy with Covariance Matrix Adaptation (CMA-ES)</a:t>
+            </a:r>
+            <a:r>
+              <a:rPr lang="en-GB" sz="1200" dirty="0"/>
+              <a:t>, Hansen et. Al (2003)</a:t>
+            </a:r>
+          </a:p>
+          <a:p>
+            <a:pPr fontAlgn="ctr"/>
+            <a:r>
+              <a:rPr lang="en-GB" sz="1200" dirty="0"/>
+              <a:t>Wikipedia: </a:t>
+            </a:r>
+            <a:r>
+              <a:rPr lang="en-GB" sz="1200" dirty="0">
+                <a:hlinkClick r:id="rId3"/>
+              </a:rPr>
+              <a:t>https://en.wikipedia.org/wiki/CMA-ES#Example_code_in_MATLAB/Octave</a:t>
+            </a:r>
+            <a:endParaRPr lang="en-GB" sz="1200" dirty="0"/>
+          </a:p>
+          <a:p>
+            <a:pPr fontAlgn="ctr"/>
+            <a:r>
+              <a:rPr lang="en-GB" sz="1200" dirty="0"/>
+              <a:t>Overview: </a:t>
+            </a:r>
+            <a:r>
+              <a:rPr lang="en-GB" sz="1200" dirty="0">
+                <a:hlinkClick r:id="rId4"/>
+              </a:rPr>
+              <a:t>http://www.cmap.polytechnique.fr/~nikolaus.hansen/cmaesintro.html</a:t>
+            </a:r>
+            <a:endParaRPr lang="en-GB" sz="1200" dirty="0"/>
+          </a:p>
+          <a:p>
+            <a:pPr fontAlgn="ctr"/>
+            <a:endParaRPr lang="en-GB" sz="1200" dirty="0"/>
+          </a:p>
+          <a:p>
+            <a:pPr fontAlgn="ctr"/>
+            <a:r>
+              <a:rPr lang="en-GB" sz="1200" b="1" dirty="0"/>
+              <a:t>PSO</a:t>
+            </a:r>
+          </a:p>
+          <a:p>
+            <a:pPr fontAlgn="ctr"/>
+            <a:r>
+              <a:rPr lang="en-GB" sz="1200" dirty="0"/>
+              <a:t>Particle Swarm Optimization, Kennedy &amp; Eberhart (1995)</a:t>
+            </a:r>
+          </a:p>
+          <a:p>
+            <a:pPr fontAlgn="ctr"/>
+            <a:r>
+              <a:rPr lang="en-GB" sz="1200" dirty="0"/>
+              <a:t>A quarter century of particle swarm optimization, Cheng et. Al (2018)</a:t>
+            </a:r>
+          </a:p>
+          <a:p>
+            <a:pPr fontAlgn="ctr"/>
+            <a:r>
+              <a:rPr lang="en-GB" sz="1200" dirty="0"/>
+              <a:t>Lecture slides, Thomas Bäck</a:t>
+            </a:r>
+          </a:p>
+          <a:p>
+            <a:pPr fontAlgn="ctr"/>
+            <a:r>
+              <a:rPr lang="en-GB" sz="1200" dirty="0"/>
+              <a:t>Particle swarm optimization, </a:t>
+            </a:r>
+            <a:r>
+              <a:rPr lang="en-GB" sz="1200" dirty="0" err="1"/>
+              <a:t>Poli</a:t>
+            </a:r>
+            <a:r>
+              <a:rPr lang="en-GB" sz="1200" dirty="0"/>
+              <a:t> et. al (2007)</a:t>
+            </a:r>
+          </a:p>
+          <a:p>
+            <a:pPr fontAlgn="ctr"/>
+            <a:endParaRPr lang="en-GB" sz="1200" b="1" dirty="0"/>
+          </a:p>
+          <a:p>
+            <a:pPr fontAlgn="ctr"/>
+            <a:r>
+              <a:rPr lang="en-GB" sz="1200" b="1" dirty="0"/>
+              <a:t>DE</a:t>
+            </a:r>
+          </a:p>
+          <a:p>
+            <a:pPr fontAlgn="ctr"/>
+            <a:r>
+              <a:rPr lang="en-GB" sz="1200" dirty="0"/>
+              <a:t>Lecture slides Thomas Bäck</a:t>
+            </a:r>
+          </a:p>
+          <a:p>
+            <a:pPr fontAlgn="ctr"/>
+            <a:r>
+              <a:rPr lang="en-GB" sz="1200" dirty="0"/>
+              <a:t>Differential Evolution – A Simple and Efficient Heuristic for Global Optimization over Continuous Spaces, Storn &amp; Price (1997)</a:t>
+            </a:r>
+          </a:p>
+          <a:p>
+            <a:pPr fontAlgn="ctr"/>
+            <a:r>
+              <a:rPr lang="en-GB" sz="1200" dirty="0"/>
+              <a:t>Book Differential Evolution: A Practical Approach to Global Optimization (Natural Computing Series), Storn &amp; Price (2006)</a:t>
+            </a:r>
+          </a:p>
+          <a:p>
+            <a:pPr fontAlgn="ctr"/>
+            <a:endParaRPr lang="en-GB" sz="1200" b="1" dirty="0"/>
+          </a:p>
+          <a:p>
+            <a:pPr fontAlgn="ctr"/>
+            <a:r>
+              <a:rPr lang="en-GB" sz="1200" b="1" dirty="0"/>
+              <a:t>BFGS</a:t>
+            </a:r>
+          </a:p>
+          <a:p>
+            <a:pPr fontAlgn="ctr"/>
+            <a:r>
+              <a:rPr lang="en-GB" sz="1200" dirty="0"/>
+              <a:t>Wikipedia page: https://</a:t>
+            </a:r>
+            <a:r>
+              <a:rPr lang="en-GB" sz="1200" dirty="0" err="1"/>
+              <a:t>en.wikipedia.org</a:t>
+            </a:r>
+            <a:r>
+              <a:rPr lang="en-GB" sz="1200" dirty="0"/>
+              <a:t>/wiki/Broyden%E2%80%93Fletcher%E2%80%93Goldfarb%E2%80%93Shanno_algorithm</a:t>
+            </a:r>
+          </a:p>
+          <a:p>
+            <a:pPr fontAlgn="ctr"/>
+            <a:r>
+              <a:rPr lang="en-GB" sz="1200" dirty="0"/>
+              <a:t>A modified BFGS method and its global convergence in nonconvex minimization, Li &amp; Fukushima (2001)</a:t>
+            </a:r>
+          </a:p>
+          <a:p>
+            <a:pPr fontAlgn="ctr"/>
+            <a:r>
+              <a:rPr lang="en-GB" sz="1200" dirty="0"/>
+              <a:t>On the limited memory BFGS method for large scale optimization, Liu &amp; </a:t>
+            </a:r>
+            <a:r>
+              <a:rPr lang="en-GB" sz="1200" dirty="0" err="1"/>
+              <a:t>Nocedal</a:t>
+            </a:r>
+            <a:r>
+              <a:rPr lang="en-GB" sz="1200" dirty="0"/>
+              <a:t> (1989)</a:t>
+            </a:r>
+          </a:p>
+          <a:p>
+            <a:pPr fontAlgn="ctr"/>
+            <a:r>
+              <a:rPr lang="en-GB" sz="1200" dirty="0"/>
+              <a:t>The four papers from </a:t>
+            </a:r>
+            <a:r>
+              <a:rPr lang="en-GB" sz="1200" dirty="0" err="1"/>
+              <a:t>Broyden</a:t>
+            </a:r>
+            <a:r>
+              <a:rPr lang="en-GB" sz="1200" dirty="0"/>
+              <a:t>, Fletcher, Goldfarb and </a:t>
+            </a:r>
+            <a:r>
+              <a:rPr lang="en-GB" sz="1200" dirty="0" err="1"/>
+              <a:t>Shanno</a:t>
+            </a:r>
+            <a:r>
+              <a:rPr lang="en-GB" sz="1200" dirty="0"/>
+              <a:t> (all 1970) - they derived the approx. Hessian update independently from each other in the same year.</a:t>
+            </a:r>
+          </a:p>
+          <a:p>
+            <a:pPr fontAlgn="ctr"/>
+            <a:endParaRPr lang="en-GB" sz="1200" b="1" dirty="0"/>
+          </a:p>
+        </p:txBody>
+      </p:sp>
+    </p:spTree>
+    <p:extLst>
+      <p:ext uri="{BB962C8B-B14F-4D97-AF65-F5344CB8AC3E}">
+        <p14:creationId xmlns:p14="http://schemas.microsoft.com/office/powerpoint/2010/main" val="1400378794"/>
+      </p:ext>
+    </p:extLst>
+  </p:cSld>
+  <p:clrMapOvr>
+    <a:masterClrMapping/>
+  </p:clrMapOvr>
+</p:sld>
+</file>
+
+<file path=ppt/slides/slide5.xml><?xml version="1.0" encoding="utf-8"?>
+<p:sld xmlns:a="http://schemas.openxmlformats.org/drawingml/2006/main" xmlns:r="http://schemas.openxmlformats.org/officeDocument/2006/relationships" xmlns:p="http://schemas.openxmlformats.org/presentationml/2006/main">
+  <p:cSld>
+    <p:spTree>
+      <p:nvGrpSpPr>
+        <p:cNvPr id="1" name=""/>
+        <p:cNvGrpSpPr/>
+        <p:nvPr/>
+      </p:nvGrpSpPr>
+      <p:grpSpPr>
+        <a:xfrm>
+          <a:off x="0" y="0"/>
+          <a:ext cx="0" cy="0"/>
+          <a:chOff x="0" y="0"/>
+          <a:chExt cx="0" cy="0"/>
+        </a:xfrm>
+      </p:grpSpPr>
+      <p:sp>
+        <p:nvSpPr>
+          <p:cNvPr id="2" name="Textfeld 1">
+            <a:extLst>
+              <a:ext uri="{FF2B5EF4-FFF2-40B4-BE49-F238E27FC236}">
+                <a16:creationId xmlns:a16="http://schemas.microsoft.com/office/drawing/2014/main" id="{D671ECD4-8C1C-7349-B2AA-79394915986B}"/>
+              </a:ext>
+            </a:extLst>
+          </p:cNvPr>
+          <p:cNvSpPr txBox="1"/>
+          <p:nvPr/>
+        </p:nvSpPr>
+        <p:spPr>
+          <a:xfrm>
+            <a:off x="469900" y="381000"/>
+            <a:ext cx="11353800" cy="5724644"/>
+          </a:xfrm>
+          <a:prstGeom prst="rect">
+            <a:avLst/>
+          </a:prstGeom>
+          <a:noFill/>
+        </p:spPr>
+        <p:txBody>
+          <a:bodyPr wrap="square" rtlCol="0">
+            <a:spAutoFit/>
+          </a:bodyPr>
+          <a:lstStyle/>
+          <a:p>
+            <a:r>
+              <a:rPr lang="en-GB" dirty="0"/>
+              <a:t>Sources / Literature</a:t>
+            </a:r>
+          </a:p>
+          <a:p>
+            <a:pPr fontAlgn="ctr"/>
+            <a:endParaRPr lang="en-GB" sz="1200" b="1" dirty="0"/>
+          </a:p>
+          <a:p>
+            <a:pPr fontAlgn="ctr"/>
+            <a:endParaRPr lang="en-GB" sz="1200" b="1" dirty="0"/>
+          </a:p>
+          <a:p>
+            <a:pPr fontAlgn="ctr"/>
+            <a:r>
+              <a:rPr lang="en-GB" sz="1200" b="1" dirty="0"/>
+              <a:t>VNS</a:t>
+            </a:r>
+          </a:p>
+          <a:p>
+            <a:pPr fontAlgn="ctr"/>
+            <a:r>
+              <a:rPr lang="en-GB" sz="1200" dirty="0"/>
+              <a:t>Variable Neighborhood Search, Mladenovic &amp; Hansen (1997)</a:t>
+            </a:r>
+          </a:p>
+          <a:p>
+            <a:pPr fontAlgn="ctr"/>
+            <a:r>
+              <a:rPr lang="en-GB" sz="1200" dirty="0"/>
+              <a:t>Variable Neighborhood search: Principles and applications, Hansen &amp; Mladenovic (2001)</a:t>
+            </a:r>
+          </a:p>
+          <a:p>
+            <a:pPr fontAlgn="ctr"/>
+            <a:r>
+              <a:rPr lang="en-GB" sz="1200" dirty="0"/>
+              <a:t>Variable Neighborhood search: Principles and applications, Hansen &amp; Mladenovic (2010)</a:t>
+            </a:r>
+            <a:endParaRPr lang="en-GB" sz="1200" b="1" dirty="0"/>
+          </a:p>
+          <a:p>
+            <a:pPr fontAlgn="ctr"/>
+            <a:endParaRPr lang="en-GB" sz="1200" b="1" dirty="0"/>
+          </a:p>
+          <a:p>
+            <a:pPr fontAlgn="ctr"/>
+            <a:endParaRPr lang="en-GB" sz="1200" b="1" dirty="0"/>
+          </a:p>
+          <a:p>
+            <a:pPr fontAlgn="ctr"/>
+            <a:r>
+              <a:rPr lang="en-GB" sz="1200" b="1" dirty="0"/>
+              <a:t>(H)MLSL</a:t>
+            </a:r>
+          </a:p>
+          <a:p>
+            <a:pPr fontAlgn="ctr"/>
+            <a:r>
+              <a:rPr lang="en-GB" sz="1200" dirty="0"/>
+              <a:t>Stochastic Global Optimization Methods Part II: Multi Level Methods, Kan &amp; Timmer (1987)</a:t>
+            </a:r>
+          </a:p>
+          <a:p>
+            <a:pPr fontAlgn="ctr"/>
+            <a:r>
+              <a:rPr lang="en-GB" sz="1200" dirty="0"/>
+              <a:t>Benchmarking a Hybrid Multi Level Single Linkage Algorithm on the BBOB Noiseless Testbed, Pal (2013)</a:t>
+            </a:r>
+          </a:p>
+          <a:p>
+            <a:pPr fontAlgn="ctr"/>
+            <a:endParaRPr lang="en-GB" sz="1200" b="1" dirty="0"/>
+          </a:p>
+          <a:p>
+            <a:pPr fontAlgn="ctr"/>
+            <a:endParaRPr lang="en-GB" sz="1200" b="1" dirty="0"/>
+          </a:p>
+          <a:p>
+            <a:pPr fontAlgn="ctr"/>
+            <a:r>
+              <a:rPr lang="en-GB" sz="1200" b="1" dirty="0"/>
+              <a:t>SANN</a:t>
+            </a:r>
+          </a:p>
+          <a:p>
+            <a:pPr fontAlgn="ctr"/>
+            <a:r>
+              <a:rPr lang="en-GB" sz="1200" dirty="0"/>
+              <a:t>Lecture slides on simulated annealing</a:t>
+            </a:r>
+          </a:p>
+          <a:p>
+            <a:pPr fontAlgn="ctr"/>
+            <a:r>
+              <a:rPr lang="en-GB" sz="1200" dirty="0"/>
+              <a:t>Optimization by Simulated Annealing, Kirkpatrick et. al (1983)</a:t>
+            </a:r>
+          </a:p>
+          <a:p>
+            <a:pPr fontAlgn="ctr"/>
+            <a:r>
+              <a:rPr lang="en-GB" sz="1200" dirty="0"/>
+              <a:t>Thermodynamical Approach to the Traveling Salesman Problem: An Efficient Simulation Algorithm, Cerny (1985)</a:t>
+            </a:r>
+          </a:p>
+          <a:p>
+            <a:pPr fontAlgn="ctr"/>
+            <a:r>
+              <a:rPr lang="en-GB" sz="1200" dirty="0"/>
+              <a:t>Nice application on the travelling salesperson problem: https://</a:t>
+            </a:r>
+            <a:r>
+              <a:rPr lang="en-GB" sz="1200" dirty="0" err="1"/>
+              <a:t>www.heatonresearch.com</a:t>
+            </a:r>
+            <a:r>
+              <a:rPr lang="en-GB" sz="1200" dirty="0"/>
+              <a:t>/</a:t>
+            </a:r>
+            <a:r>
+              <a:rPr lang="en-GB" sz="1200" dirty="0" err="1"/>
+              <a:t>aifh</a:t>
+            </a:r>
+            <a:r>
+              <a:rPr lang="en-GB" sz="1200" dirty="0"/>
+              <a:t>/vol1/</a:t>
+            </a:r>
+            <a:r>
+              <a:rPr lang="en-GB" sz="1200" dirty="0" err="1"/>
+              <a:t>tsp_anneal.html</a:t>
+            </a:r>
+            <a:endParaRPr lang="en-GB" sz="1200" dirty="0"/>
+          </a:p>
+          <a:p>
+            <a:pPr fontAlgn="ctr"/>
+            <a:endParaRPr lang="en-GB" sz="1200" b="1" dirty="0"/>
+          </a:p>
+          <a:p>
+            <a:pPr fontAlgn="ctr"/>
+            <a:r>
+              <a:rPr lang="en-GB" sz="1200" b="1" dirty="0" err="1"/>
+              <a:t>Nelder</a:t>
+            </a:r>
+            <a:r>
+              <a:rPr lang="en-GB" sz="1200" b="1" dirty="0"/>
+              <a:t>-Mead</a:t>
+            </a:r>
+          </a:p>
+          <a:p>
+            <a:pPr fontAlgn="ctr"/>
+            <a:r>
+              <a:rPr lang="en-GB" sz="1200" dirty="0"/>
+              <a:t>Wikipedia article: https://en.wikipedia.org/wiki/Nelder%E2%80%93Mead_method</a:t>
+            </a:r>
+          </a:p>
+          <a:p>
+            <a:pPr fontAlgn="ctr"/>
+            <a:endParaRPr lang="en-GB" sz="1200" b="1" dirty="0"/>
+          </a:p>
+          <a:p>
+            <a:pPr fontAlgn="ctr"/>
+            <a:endParaRPr lang="en-GB" sz="1200" b="1" dirty="0"/>
+          </a:p>
+          <a:p>
+            <a:pPr fontAlgn="ctr"/>
+            <a:r>
+              <a:rPr lang="en-GB" sz="1200" b="1" dirty="0"/>
+              <a:t>Tabu search</a:t>
+            </a:r>
+          </a:p>
+          <a:p>
+            <a:pPr fontAlgn="ctr"/>
+            <a:r>
+              <a:rPr lang="en-GB" sz="1200" dirty="0"/>
+              <a:t>Tabu Search - Part I, Glover (1989)</a:t>
+            </a:r>
+          </a:p>
+          <a:p>
+            <a:pPr fontAlgn="ctr"/>
+            <a:r>
+              <a:rPr lang="en-GB" sz="1200" dirty="0"/>
+              <a:t>Tabu Search - Part II, Glover (1990)</a:t>
+            </a:r>
+          </a:p>
+          <a:p>
+            <a:pPr fontAlgn="ctr"/>
+            <a:r>
+              <a:rPr lang="en-GB" sz="1200" dirty="0"/>
+              <a:t>Tabu Search, Glover &amp; Marti (2006)</a:t>
+            </a:r>
+          </a:p>
+          <a:p>
+            <a:pPr fontAlgn="ctr"/>
+            <a:r>
+              <a:rPr lang="en-GB" sz="1200" dirty="0"/>
+              <a:t>Wikipedia article: https://en.wikipedia.org/wiki/</a:t>
+            </a:r>
+            <a:r>
+              <a:rPr lang="en-GB" sz="1200" dirty="0" err="1"/>
+              <a:t>Tabu_search</a:t>
+            </a:r>
+            <a:endParaRPr lang="en-GB" sz="1200" dirty="0"/>
+          </a:p>
+        </p:txBody>
+      </p:sp>
+    </p:spTree>
+    <p:extLst>
+      <p:ext uri="{BB962C8B-B14F-4D97-AF65-F5344CB8AC3E}">
+        <p14:creationId xmlns:p14="http://schemas.microsoft.com/office/powerpoint/2010/main" val="3110871401"/>
+      </p:ext>
+    </p:extLst>
+  </p:cSld>
+  <p:clrMapOvr>
+    <a:masterClrMapping/>
+  </p:clrMapOvr>
+</p:sld>
+</file>
+
 <file path=ppt/theme/theme1.xml><?xml version="1.0" encoding="utf-8"?>
 <a:theme xmlns:a="http://schemas.openxmlformats.org/drawingml/2006/main" name="Office">
   <a:themeElements>
